--- a/01_Projektmanagement/Assignment 5 - Project Managements Methods - ACC.pptx
+++ b/01_Projektmanagement/Assignment 5 - Project Managements Methods - ACC.pptx
@@ -174,106 +174,12 @@
 </p:presentation>
 </file>
 
+<file path=ppt/revisionInfo.xml><?xml version="1.0" encoding="utf-8"?>
+<p1510:revInfo xmlns:a="http://schemas.openxmlformats.org/drawingml/2006/main" xmlns:r="http://schemas.openxmlformats.org/officeDocument/2006/relationships" xmlns:p1510="http://schemas.microsoft.com/office/powerpoint/2015/10/main"/>
+</file>
+
 <file path=ppt/changesInfos/changesInfo1.xml><?xml version="1.0" encoding="utf-8"?>
 <pc:chgInfo xmlns:a="http://schemas.openxmlformats.org/drawingml/2006/main" xmlns:r="http://schemas.openxmlformats.org/officeDocument/2006/relationships" xmlns:ac="http://schemas.microsoft.com/office/drawing/2013/main/command" xmlns:pc="http://schemas.microsoft.com/office/powerpoint/2013/main/command">
-  <pc:docChgLst>
-    <pc:chgData name="Chris G" userId="ec6dd0bf820af39d" providerId="LiveId" clId="{77B084DB-34BD-4714-AFF6-B98C98F6D19D}"/>
-    <pc:docChg chg="custSel addSld delSld modSld modMainMaster">
-      <pc:chgData name="Chris G" userId="ec6dd0bf820af39d" providerId="LiveId" clId="{77B084DB-34BD-4714-AFF6-B98C98F6D19D}" dt="2018-01-19T18:41:39.476" v="445" actId="20577"/>
-      <pc:docMkLst>
-        <pc:docMk/>
-      </pc:docMkLst>
-      <pc:sldChg chg="modSp">
-        <pc:chgData name="Chris G" userId="ec6dd0bf820af39d" providerId="LiveId" clId="{77B084DB-34BD-4714-AFF6-B98C98F6D19D}" dt="2018-01-19T18:41:39.476" v="445" actId="20577"/>
-        <pc:sldMkLst>
-          <pc:docMk/>
-          <pc:sldMk cId="1175140175" sldId="1735"/>
-        </pc:sldMkLst>
-        <pc:spChg chg="mod">
-          <ac:chgData name="Chris G" userId="ec6dd0bf820af39d" providerId="LiveId" clId="{77B084DB-34BD-4714-AFF6-B98C98F6D19D}" dt="2018-01-19T18:41:39.476" v="445" actId="20577"/>
-          <ac:spMkLst>
-            <pc:docMk/>
-            <pc:sldMk cId="1175140175" sldId="1735"/>
-            <ac:spMk id="2" creationId="{00000000-0000-0000-0000-000000000000}"/>
-          </ac:spMkLst>
-        </pc:spChg>
-      </pc:sldChg>
-      <pc:sldChg chg="modSp add">
-        <pc:chgData name="Chris G" userId="ec6dd0bf820af39d" providerId="LiveId" clId="{77B084DB-34BD-4714-AFF6-B98C98F6D19D}" dt="2018-01-19T18:41:02.716" v="422" actId="27636"/>
-        <pc:sldMkLst>
-          <pc:docMk/>
-          <pc:sldMk cId="2335807216" sldId="1740"/>
-        </pc:sldMkLst>
-        <pc:spChg chg="mod">
-          <ac:chgData name="Chris G" userId="ec6dd0bf820af39d" providerId="LiveId" clId="{77B084DB-34BD-4714-AFF6-B98C98F6D19D}" dt="2018-01-19T18:41:02.716" v="422" actId="27636"/>
-          <ac:spMkLst>
-            <pc:docMk/>
-            <pc:sldMk cId="2335807216" sldId="1740"/>
-            <ac:spMk id="3" creationId="{EEB99570-74B8-496E-9BF0-78D33340D20E}"/>
-          </ac:spMkLst>
-        </pc:spChg>
-      </pc:sldChg>
-      <pc:sldMasterChg chg="modSldLayout">
-        <pc:chgData name="Chris G" userId="ec6dd0bf820af39d" providerId="LiveId" clId="{77B084DB-34BD-4714-AFF6-B98C98F6D19D}" dt="2018-01-19T18:39:27.761" v="397" actId="20577"/>
-        <pc:sldMasterMkLst>
-          <pc:docMk/>
-          <pc:sldMasterMk cId="1056324580" sldId="2147483648"/>
-        </pc:sldMasterMkLst>
-        <pc:sldLayoutChg chg="modSp">
-          <pc:chgData name="Chris G" userId="ec6dd0bf820af39d" providerId="LiveId" clId="{77B084DB-34BD-4714-AFF6-B98C98F6D19D}" dt="2018-01-19T18:39:27.761" v="397" actId="20577"/>
-          <pc:sldLayoutMkLst>
-            <pc:docMk/>
-            <pc:sldMasterMk cId="1056324580" sldId="2147483648"/>
-            <pc:sldLayoutMk cId="2118820008" sldId="2147483650"/>
-          </pc:sldLayoutMkLst>
-          <pc:spChg chg="mod">
-            <ac:chgData name="Chris G" userId="ec6dd0bf820af39d" providerId="LiveId" clId="{77B084DB-34BD-4714-AFF6-B98C98F6D19D}" dt="2018-01-19T18:19:44.033" v="85" actId="20577"/>
-            <ac:spMkLst>
-              <pc:docMk/>
-              <pc:sldMasterMk cId="1056324580" sldId="2147483648"/>
-              <pc:sldLayoutMk cId="2118820008" sldId="2147483650"/>
-              <ac:spMk id="3" creationId="{00000000-0000-0000-0000-000000000000}"/>
-            </ac:spMkLst>
-          </pc:spChg>
-          <pc:spChg chg="mod">
-            <ac:chgData name="Chris G" userId="ec6dd0bf820af39d" providerId="LiveId" clId="{77B084DB-34BD-4714-AFF6-B98C98F6D19D}" dt="2018-01-19T18:39:27.761" v="397" actId="20577"/>
-            <ac:spMkLst>
-              <pc:docMk/>
-              <pc:sldMasterMk cId="1056324580" sldId="2147483648"/>
-              <pc:sldLayoutMk cId="2118820008" sldId="2147483650"/>
-              <ac:spMk id="9" creationId="{00000000-0000-0000-0000-000000000000}"/>
-            </ac:spMkLst>
-          </pc:spChg>
-        </pc:sldLayoutChg>
-        <pc:sldLayoutChg chg="modSp">
-          <pc:chgData name="Chris G" userId="ec6dd0bf820af39d" providerId="LiveId" clId="{77B084DB-34BD-4714-AFF6-B98C98F6D19D}" dt="2018-01-19T18:20:06.082" v="100" actId="20577"/>
-          <pc:sldLayoutMkLst>
-            <pc:docMk/>
-            <pc:sldMasterMk cId="1056324580" sldId="2147483648"/>
-            <pc:sldLayoutMk cId="2665502471" sldId="2147483653"/>
-          </pc:sldLayoutMkLst>
-          <pc:spChg chg="mod">
-            <ac:chgData name="Chris G" userId="ec6dd0bf820af39d" providerId="LiveId" clId="{77B084DB-34BD-4714-AFF6-B98C98F6D19D}" dt="2018-01-19T18:20:04.658" v="99" actId="20577"/>
-            <ac:spMkLst>
-              <pc:docMk/>
-              <pc:sldMasterMk cId="1056324580" sldId="2147483648"/>
-              <pc:sldLayoutMk cId="2665502471" sldId="2147483653"/>
-              <ac:spMk id="4" creationId="{00000000-0000-0000-0000-000000000000}"/>
-            </ac:spMkLst>
-          </pc:spChg>
-          <pc:spChg chg="mod">
-            <ac:chgData name="Chris G" userId="ec6dd0bf820af39d" providerId="LiveId" clId="{77B084DB-34BD-4714-AFF6-B98C98F6D19D}" dt="2018-01-19T18:20:06.082" v="100" actId="20577"/>
-            <ac:spMkLst>
-              <pc:docMk/>
-              <pc:sldMasterMk cId="1056324580" sldId="2147483648"/>
-              <pc:sldLayoutMk cId="2665502471" sldId="2147483653"/>
-              <ac:spMk id="6" creationId="{00000000-0000-0000-0000-000000000000}"/>
-            </ac:spMkLst>
-          </pc:spChg>
-        </pc:sldLayoutChg>
-      </pc:sldMasterChg>
-    </pc:docChg>
-  </pc:docChgLst>
   <pc:docChgLst>
     <pc:chgData name="Chris G" userId="ec6dd0bf820af39d" providerId="LiveId" clId="{A6C1FA34-9980-42BD-90CE-52D17F13C601}"/>
     <pc:docChg chg="undo redo custSel addSld delSld modSld">
@@ -800,7 +706,7 @@
           </ac:spMkLst>
         </pc:spChg>
         <pc:spChg chg="add mod">
-          <ac:chgData name="Chris G" userId="ec6dd0bf820af39d" providerId="LiveId" clId="{A6C1FA34-9980-42BD-90CE-52D17F13C601}" dt="2018-01-22T18:54:52.440" v="1845"/>
+          <ac:chgData name="Chris G" userId="ec6dd0bf820af39d" providerId="LiveId" clId="{A6C1FA34-9980-42BD-90CE-52D17F13C601}" dt="2018-01-22T18:54:52.440" v="1845" actId="20577"/>
           <ac:spMkLst>
             <pc:docMk/>
             <pc:sldMk cId="3319509260" sldId="1742"/>
@@ -967,7 +873,7 @@
           </ac:spMkLst>
         </pc:spChg>
         <pc:spChg chg="mod">
-          <ac:chgData name="Chris G" userId="ec6dd0bf820af39d" providerId="LiveId" clId="{A6C1FA34-9980-42BD-90CE-52D17F13C601}" dt="2018-01-21T19:39:08.486" v="1820"/>
+          <ac:chgData name="Chris G" userId="ec6dd0bf820af39d" providerId="LiveId" clId="{A6C1FA34-9980-42BD-90CE-52D17F13C601}" dt="2018-01-21T19:39:08.486" v="1820" actId="20577"/>
           <ac:spMkLst>
             <pc:docMk/>
             <pc:sldMk cId="2739111897" sldId="1743"/>
@@ -1028,6 +934,14 @@
             <ac:spMk id="3" creationId="{B918CDB5-839F-4765-81B8-5D9AB3526412}"/>
           </ac:spMkLst>
         </pc:spChg>
+        <pc:spChg chg="add del">
+          <ac:chgData name="Chris G" userId="ec6dd0bf820af39d" providerId="LiveId" clId="{A6C1FA34-9980-42BD-90CE-52D17F13C601}" dt="2018-01-21T19:39:27.619" v="1824" actId="14100"/>
+          <ac:spMkLst>
+            <pc:docMk/>
+            <pc:sldMk cId="3589922886" sldId="1745"/>
+            <ac:spMk id="8" creationId="{FBFD4D1F-6393-4F96-990B-7B10C8CA4A51}"/>
+          </ac:spMkLst>
+        </pc:spChg>
         <pc:spChg chg="mod">
           <ac:chgData name="Chris G" userId="ec6dd0bf820af39d" providerId="LiveId" clId="{A6C1FA34-9980-42BD-90CE-52D17F13C601}" dt="2018-01-22T18:55:23.765" v="1850" actId="14100"/>
           <ac:spMkLst>
@@ -1036,16 +950,8 @@
             <ac:spMk id="8" creationId="{8E794ECD-7DC9-4AED-BF12-C6623322CAC4}"/>
           </ac:spMkLst>
         </pc:spChg>
-        <pc:spChg chg="add del">
-          <ac:chgData name="Chris G" userId="ec6dd0bf820af39d" providerId="LiveId" clId="{A6C1FA34-9980-42BD-90CE-52D17F13C601}" dt="2018-01-21T19:39:27.619" v="1824"/>
-          <ac:spMkLst>
-            <pc:docMk/>
-            <pc:sldMk cId="3589922886" sldId="1745"/>
-            <ac:spMk id="8" creationId="{FBFD4D1F-6393-4F96-990B-7B10C8CA4A51}"/>
-          </ac:spMkLst>
-        </pc:spChg>
         <pc:spChg chg="add mod">
-          <ac:chgData name="Chris G" userId="ec6dd0bf820af39d" providerId="LiveId" clId="{A6C1FA34-9980-42BD-90CE-52D17F13C601}" dt="2018-01-21T19:39:46.551" v="1826"/>
+          <ac:chgData name="Chris G" userId="ec6dd0bf820af39d" providerId="LiveId" clId="{A6C1FA34-9980-42BD-90CE-52D17F13C601}" dt="2018-01-21T19:39:46.551" v="1826" actId="14100"/>
           <ac:spMkLst>
             <pc:docMk/>
             <pc:sldMk cId="3589922886" sldId="1745"/>
@@ -1232,6 +1138,104 @@
           </ac:picMkLst>
         </pc:picChg>
       </pc:sldChg>
+    </pc:docChg>
+  </pc:docChgLst>
+  <pc:docChgLst>
+    <pc:chgData name="Chris G" userId="ec6dd0bf820af39d" providerId="LiveId" clId="{77B084DB-34BD-4714-AFF6-B98C98F6D19D}"/>
+    <pc:docChg chg="custSel addSld delSld modSld modMainMaster">
+      <pc:chgData name="Chris G" userId="ec6dd0bf820af39d" providerId="LiveId" clId="{77B084DB-34BD-4714-AFF6-B98C98F6D19D}" dt="2018-01-19T18:41:39.476" v="445" actId="20577"/>
+      <pc:docMkLst>
+        <pc:docMk/>
+      </pc:docMkLst>
+      <pc:sldChg chg="modSp">
+        <pc:chgData name="Chris G" userId="ec6dd0bf820af39d" providerId="LiveId" clId="{77B084DB-34BD-4714-AFF6-B98C98F6D19D}" dt="2018-01-19T18:41:39.476" v="445" actId="20577"/>
+        <pc:sldMkLst>
+          <pc:docMk/>
+          <pc:sldMk cId="1175140175" sldId="1735"/>
+        </pc:sldMkLst>
+        <pc:spChg chg="mod">
+          <ac:chgData name="Chris G" userId="ec6dd0bf820af39d" providerId="LiveId" clId="{77B084DB-34BD-4714-AFF6-B98C98F6D19D}" dt="2018-01-19T18:41:39.476" v="445" actId="20577"/>
+          <ac:spMkLst>
+            <pc:docMk/>
+            <pc:sldMk cId="1175140175" sldId="1735"/>
+            <ac:spMk id="2" creationId="{00000000-0000-0000-0000-000000000000}"/>
+          </ac:spMkLst>
+        </pc:spChg>
+      </pc:sldChg>
+      <pc:sldChg chg="modSp add">
+        <pc:chgData name="Chris G" userId="ec6dd0bf820af39d" providerId="LiveId" clId="{77B084DB-34BD-4714-AFF6-B98C98F6D19D}" dt="2018-01-19T18:41:02.716" v="422" actId="27636"/>
+        <pc:sldMkLst>
+          <pc:docMk/>
+          <pc:sldMk cId="2335807216" sldId="1740"/>
+        </pc:sldMkLst>
+        <pc:spChg chg="mod">
+          <ac:chgData name="Chris G" userId="ec6dd0bf820af39d" providerId="LiveId" clId="{77B084DB-34BD-4714-AFF6-B98C98F6D19D}" dt="2018-01-19T18:41:02.716" v="422" actId="27636"/>
+          <ac:spMkLst>
+            <pc:docMk/>
+            <pc:sldMk cId="2335807216" sldId="1740"/>
+            <ac:spMk id="3" creationId="{EEB99570-74B8-496E-9BF0-78D33340D20E}"/>
+          </ac:spMkLst>
+        </pc:spChg>
+      </pc:sldChg>
+      <pc:sldMasterChg chg="modSldLayout">
+        <pc:chgData name="Chris G" userId="ec6dd0bf820af39d" providerId="LiveId" clId="{77B084DB-34BD-4714-AFF6-B98C98F6D19D}" dt="2018-01-19T18:39:27.761" v="397" actId="20577"/>
+        <pc:sldMasterMkLst>
+          <pc:docMk/>
+          <pc:sldMasterMk cId="1056324580" sldId="2147483648"/>
+        </pc:sldMasterMkLst>
+        <pc:sldLayoutChg chg="modSp">
+          <pc:chgData name="Chris G" userId="ec6dd0bf820af39d" providerId="LiveId" clId="{77B084DB-34BD-4714-AFF6-B98C98F6D19D}" dt="2018-01-19T18:39:27.761" v="397" actId="20577"/>
+          <pc:sldLayoutMkLst>
+            <pc:docMk/>
+            <pc:sldMasterMk cId="1056324580" sldId="2147483648"/>
+            <pc:sldLayoutMk cId="2118820008" sldId="2147483650"/>
+          </pc:sldLayoutMkLst>
+          <pc:spChg chg="mod">
+            <ac:chgData name="Chris G" userId="ec6dd0bf820af39d" providerId="LiveId" clId="{77B084DB-34BD-4714-AFF6-B98C98F6D19D}" dt="2018-01-19T18:19:44.033" v="85" actId="20577"/>
+            <ac:spMkLst>
+              <pc:docMk/>
+              <pc:sldMasterMk cId="1056324580" sldId="2147483648"/>
+              <pc:sldLayoutMk cId="2118820008" sldId="2147483650"/>
+              <ac:spMk id="3" creationId="{00000000-0000-0000-0000-000000000000}"/>
+            </ac:spMkLst>
+          </pc:spChg>
+          <pc:spChg chg="mod">
+            <ac:chgData name="Chris G" userId="ec6dd0bf820af39d" providerId="LiveId" clId="{77B084DB-34BD-4714-AFF6-B98C98F6D19D}" dt="2018-01-19T18:39:27.761" v="397" actId="20577"/>
+            <ac:spMkLst>
+              <pc:docMk/>
+              <pc:sldMasterMk cId="1056324580" sldId="2147483648"/>
+              <pc:sldLayoutMk cId="2118820008" sldId="2147483650"/>
+              <ac:spMk id="9" creationId="{00000000-0000-0000-0000-000000000000}"/>
+            </ac:spMkLst>
+          </pc:spChg>
+        </pc:sldLayoutChg>
+        <pc:sldLayoutChg chg="modSp">
+          <pc:chgData name="Chris G" userId="ec6dd0bf820af39d" providerId="LiveId" clId="{77B084DB-34BD-4714-AFF6-B98C98F6D19D}" dt="2018-01-19T18:20:06.082" v="100" actId="20577"/>
+          <pc:sldLayoutMkLst>
+            <pc:docMk/>
+            <pc:sldMasterMk cId="1056324580" sldId="2147483648"/>
+            <pc:sldLayoutMk cId="2665502471" sldId="2147483653"/>
+          </pc:sldLayoutMkLst>
+          <pc:spChg chg="mod">
+            <ac:chgData name="Chris G" userId="ec6dd0bf820af39d" providerId="LiveId" clId="{77B084DB-34BD-4714-AFF6-B98C98F6D19D}" dt="2018-01-19T18:20:04.658" v="99" actId="20577"/>
+            <ac:spMkLst>
+              <pc:docMk/>
+              <pc:sldMasterMk cId="1056324580" sldId="2147483648"/>
+              <pc:sldLayoutMk cId="2665502471" sldId="2147483653"/>
+              <ac:spMk id="4" creationId="{00000000-0000-0000-0000-000000000000}"/>
+            </ac:spMkLst>
+          </pc:spChg>
+          <pc:spChg chg="mod">
+            <ac:chgData name="Chris G" userId="ec6dd0bf820af39d" providerId="LiveId" clId="{77B084DB-34BD-4714-AFF6-B98C98F6D19D}" dt="2018-01-19T18:20:06.082" v="100" actId="20577"/>
+            <ac:spMkLst>
+              <pc:docMk/>
+              <pc:sldMasterMk cId="1056324580" sldId="2147483648"/>
+              <pc:sldLayoutMk cId="2665502471" sldId="2147483653"/>
+              <ac:spMk id="6" creationId="{00000000-0000-0000-0000-000000000000}"/>
+            </ac:spMkLst>
+          </pc:spChg>
+        </pc:sldLayoutChg>
+      </pc:sldMasterChg>
     </pc:docChg>
   </pc:docChgLst>
 </pc:chgInfo>
@@ -10217,7 +10221,7 @@
                 <a:ea typeface="+mn-ea"/>
                 <a:cs typeface="+mn-cs"/>
               </a:rPr>
-              <a:t>2nd: Prototyping our  </a:t>
+              <a:t>2nd: Prototyping of our </a:t>
             </a:r>
             <a:r>
               <a:rPr lang="en-GB" sz="1600" dirty="0" err="1">

--- a/01_Projektmanagement/Assignment 5 - Project Managements Methods - ACC.pptx
+++ b/01_Projektmanagement/Assignment 5 - Project Managements Methods - ACC.pptx
@@ -174,12 +174,106 @@
 </p:presentation>
 </file>
 
-<file path=ppt/revisionInfo.xml><?xml version="1.0" encoding="utf-8"?>
-<p1510:revInfo xmlns:a="http://schemas.openxmlformats.org/drawingml/2006/main" xmlns:r="http://schemas.openxmlformats.org/officeDocument/2006/relationships" xmlns:p1510="http://schemas.microsoft.com/office/powerpoint/2015/10/main"/>
-</file>
-
 <file path=ppt/changesInfos/changesInfo1.xml><?xml version="1.0" encoding="utf-8"?>
 <pc:chgInfo xmlns:a="http://schemas.openxmlformats.org/drawingml/2006/main" xmlns:r="http://schemas.openxmlformats.org/officeDocument/2006/relationships" xmlns:ac="http://schemas.microsoft.com/office/drawing/2013/main/command" xmlns:pc="http://schemas.microsoft.com/office/powerpoint/2013/main/command">
+  <pc:docChgLst>
+    <pc:chgData name="Chris G" userId="ec6dd0bf820af39d" providerId="LiveId" clId="{77B084DB-34BD-4714-AFF6-B98C98F6D19D}"/>
+    <pc:docChg chg="custSel addSld delSld modSld modMainMaster">
+      <pc:chgData name="Chris G" userId="ec6dd0bf820af39d" providerId="LiveId" clId="{77B084DB-34BD-4714-AFF6-B98C98F6D19D}" dt="2018-01-19T18:41:39.476" v="445" actId="20577"/>
+      <pc:docMkLst>
+        <pc:docMk/>
+      </pc:docMkLst>
+      <pc:sldChg chg="modSp">
+        <pc:chgData name="Chris G" userId="ec6dd0bf820af39d" providerId="LiveId" clId="{77B084DB-34BD-4714-AFF6-B98C98F6D19D}" dt="2018-01-19T18:41:39.476" v="445" actId="20577"/>
+        <pc:sldMkLst>
+          <pc:docMk/>
+          <pc:sldMk cId="1175140175" sldId="1735"/>
+        </pc:sldMkLst>
+        <pc:spChg chg="mod">
+          <ac:chgData name="Chris G" userId="ec6dd0bf820af39d" providerId="LiveId" clId="{77B084DB-34BD-4714-AFF6-B98C98F6D19D}" dt="2018-01-19T18:41:39.476" v="445" actId="20577"/>
+          <ac:spMkLst>
+            <pc:docMk/>
+            <pc:sldMk cId="1175140175" sldId="1735"/>
+            <ac:spMk id="2" creationId="{00000000-0000-0000-0000-000000000000}"/>
+          </ac:spMkLst>
+        </pc:spChg>
+      </pc:sldChg>
+      <pc:sldChg chg="modSp add">
+        <pc:chgData name="Chris G" userId="ec6dd0bf820af39d" providerId="LiveId" clId="{77B084DB-34BD-4714-AFF6-B98C98F6D19D}" dt="2018-01-19T18:41:02.716" v="422" actId="27636"/>
+        <pc:sldMkLst>
+          <pc:docMk/>
+          <pc:sldMk cId="2335807216" sldId="1740"/>
+        </pc:sldMkLst>
+        <pc:spChg chg="mod">
+          <ac:chgData name="Chris G" userId="ec6dd0bf820af39d" providerId="LiveId" clId="{77B084DB-34BD-4714-AFF6-B98C98F6D19D}" dt="2018-01-19T18:41:02.716" v="422" actId="27636"/>
+          <ac:spMkLst>
+            <pc:docMk/>
+            <pc:sldMk cId="2335807216" sldId="1740"/>
+            <ac:spMk id="3" creationId="{EEB99570-74B8-496E-9BF0-78D33340D20E}"/>
+          </ac:spMkLst>
+        </pc:spChg>
+      </pc:sldChg>
+      <pc:sldMasterChg chg="modSldLayout">
+        <pc:chgData name="Chris G" userId="ec6dd0bf820af39d" providerId="LiveId" clId="{77B084DB-34BD-4714-AFF6-B98C98F6D19D}" dt="2018-01-19T18:39:27.761" v="397" actId="20577"/>
+        <pc:sldMasterMkLst>
+          <pc:docMk/>
+          <pc:sldMasterMk cId="1056324580" sldId="2147483648"/>
+        </pc:sldMasterMkLst>
+        <pc:sldLayoutChg chg="modSp">
+          <pc:chgData name="Chris G" userId="ec6dd0bf820af39d" providerId="LiveId" clId="{77B084DB-34BD-4714-AFF6-B98C98F6D19D}" dt="2018-01-19T18:39:27.761" v="397" actId="20577"/>
+          <pc:sldLayoutMkLst>
+            <pc:docMk/>
+            <pc:sldMasterMk cId="1056324580" sldId="2147483648"/>
+            <pc:sldLayoutMk cId="2118820008" sldId="2147483650"/>
+          </pc:sldLayoutMkLst>
+          <pc:spChg chg="mod">
+            <ac:chgData name="Chris G" userId="ec6dd0bf820af39d" providerId="LiveId" clId="{77B084DB-34BD-4714-AFF6-B98C98F6D19D}" dt="2018-01-19T18:19:44.033" v="85" actId="20577"/>
+            <ac:spMkLst>
+              <pc:docMk/>
+              <pc:sldMasterMk cId="1056324580" sldId="2147483648"/>
+              <pc:sldLayoutMk cId="2118820008" sldId="2147483650"/>
+              <ac:spMk id="3" creationId="{00000000-0000-0000-0000-000000000000}"/>
+            </ac:spMkLst>
+          </pc:spChg>
+          <pc:spChg chg="mod">
+            <ac:chgData name="Chris G" userId="ec6dd0bf820af39d" providerId="LiveId" clId="{77B084DB-34BD-4714-AFF6-B98C98F6D19D}" dt="2018-01-19T18:39:27.761" v="397" actId="20577"/>
+            <ac:spMkLst>
+              <pc:docMk/>
+              <pc:sldMasterMk cId="1056324580" sldId="2147483648"/>
+              <pc:sldLayoutMk cId="2118820008" sldId="2147483650"/>
+              <ac:spMk id="9" creationId="{00000000-0000-0000-0000-000000000000}"/>
+            </ac:spMkLst>
+          </pc:spChg>
+        </pc:sldLayoutChg>
+        <pc:sldLayoutChg chg="modSp">
+          <pc:chgData name="Chris G" userId="ec6dd0bf820af39d" providerId="LiveId" clId="{77B084DB-34BD-4714-AFF6-B98C98F6D19D}" dt="2018-01-19T18:20:06.082" v="100" actId="20577"/>
+          <pc:sldLayoutMkLst>
+            <pc:docMk/>
+            <pc:sldMasterMk cId="1056324580" sldId="2147483648"/>
+            <pc:sldLayoutMk cId="2665502471" sldId="2147483653"/>
+          </pc:sldLayoutMkLst>
+          <pc:spChg chg="mod">
+            <ac:chgData name="Chris G" userId="ec6dd0bf820af39d" providerId="LiveId" clId="{77B084DB-34BD-4714-AFF6-B98C98F6D19D}" dt="2018-01-19T18:20:04.658" v="99" actId="20577"/>
+            <ac:spMkLst>
+              <pc:docMk/>
+              <pc:sldMasterMk cId="1056324580" sldId="2147483648"/>
+              <pc:sldLayoutMk cId="2665502471" sldId="2147483653"/>
+              <ac:spMk id="4" creationId="{00000000-0000-0000-0000-000000000000}"/>
+            </ac:spMkLst>
+          </pc:spChg>
+          <pc:spChg chg="mod">
+            <ac:chgData name="Chris G" userId="ec6dd0bf820af39d" providerId="LiveId" clId="{77B084DB-34BD-4714-AFF6-B98C98F6D19D}" dt="2018-01-19T18:20:06.082" v="100" actId="20577"/>
+            <ac:spMkLst>
+              <pc:docMk/>
+              <pc:sldMasterMk cId="1056324580" sldId="2147483648"/>
+              <pc:sldLayoutMk cId="2665502471" sldId="2147483653"/>
+              <ac:spMk id="6" creationId="{00000000-0000-0000-0000-000000000000}"/>
+            </ac:spMkLst>
+          </pc:spChg>
+        </pc:sldLayoutChg>
+      </pc:sldMasterChg>
+    </pc:docChg>
+  </pc:docChgLst>
   <pc:docChgLst>
     <pc:chgData name="Chris G" userId="ec6dd0bf820af39d" providerId="LiveId" clId="{A6C1FA34-9980-42BD-90CE-52D17F13C601}"/>
     <pc:docChg chg="undo redo custSel addSld delSld modSld">
@@ -187,13 +281,6 @@
       <pc:docMkLst>
         <pc:docMk/>
       </pc:docMkLst>
-      <pc:sldChg chg="del">
-        <pc:chgData name="Chris G" userId="ec6dd0bf820af39d" providerId="LiveId" clId="{A6C1FA34-9980-42BD-90CE-52D17F13C601}" dt="2018-01-21T18:51:23.261" v="885" actId="2696"/>
-        <pc:sldMkLst>
-          <pc:docMk/>
-          <pc:sldMk cId="3783011249" sldId="1414"/>
-        </pc:sldMkLst>
-      </pc:sldChg>
       <pc:sldChg chg="modSp">
         <pc:chgData name="Chris G" userId="ec6dd0bf820af39d" providerId="LiveId" clId="{A6C1FA34-9980-42BD-90CE-52D17F13C601}" dt="2018-01-22T18:54:03.176" v="1835" actId="20577"/>
         <pc:sldMkLst>
@@ -208,34 +295,6 @@
             <ac:spMk id="2" creationId="{00000000-0000-0000-0000-000000000000}"/>
           </ac:spMkLst>
         </pc:spChg>
-      </pc:sldChg>
-      <pc:sldChg chg="del">
-        <pc:chgData name="Chris G" userId="ec6dd0bf820af39d" providerId="LiveId" clId="{A6C1FA34-9980-42BD-90CE-52D17F13C601}" dt="2018-01-21T18:51:23.270" v="886" actId="2696"/>
-        <pc:sldMkLst>
-          <pc:docMk/>
-          <pc:sldMk cId="3994524694" sldId="1736"/>
-        </pc:sldMkLst>
-      </pc:sldChg>
-      <pc:sldChg chg="del">
-        <pc:chgData name="Chris G" userId="ec6dd0bf820af39d" providerId="LiveId" clId="{A6C1FA34-9980-42BD-90CE-52D17F13C601}" dt="2018-01-21T18:51:23.278" v="887" actId="2696"/>
-        <pc:sldMkLst>
-          <pc:docMk/>
-          <pc:sldMk cId="621859182" sldId="1737"/>
-        </pc:sldMkLst>
-      </pc:sldChg>
-      <pc:sldChg chg="del">
-        <pc:chgData name="Chris G" userId="ec6dd0bf820af39d" providerId="LiveId" clId="{A6C1FA34-9980-42BD-90CE-52D17F13C601}" dt="2018-01-21T18:51:23.285" v="888" actId="2696"/>
-        <pc:sldMkLst>
-          <pc:docMk/>
-          <pc:sldMk cId="1555639443" sldId="1738"/>
-        </pc:sldMkLst>
-      </pc:sldChg>
-      <pc:sldChg chg="del">
-        <pc:chgData name="Chris G" userId="ec6dd0bf820af39d" providerId="LiveId" clId="{A6C1FA34-9980-42BD-90CE-52D17F13C601}" dt="2018-01-21T18:51:23.310" v="889" actId="2696"/>
-        <pc:sldMkLst>
-          <pc:docMk/>
-          <pc:sldMk cId="3343622710" sldId="1739"/>
-        </pc:sldMkLst>
       </pc:sldChg>
       <pc:sldChg chg="addSp delSp modSp modAnim modNotesTx">
         <pc:chgData name="Chris G" userId="ec6dd0bf820af39d" providerId="LiveId" clId="{A6C1FA34-9980-42BD-90CE-52D17F13C601}" dt="2018-01-22T19:52:14.090" v="1874" actId="20577"/>
@@ -1004,13 +1063,6 @@
           </ac:spMkLst>
         </pc:spChg>
       </pc:sldChg>
-      <pc:sldChg chg="add del">
-        <pc:chgData name="Chris G" userId="ec6dd0bf820af39d" providerId="LiveId" clId="{A6C1FA34-9980-42BD-90CE-52D17F13C601}" dt="2018-01-21T19:22:33.233" v="1225" actId="2696"/>
-        <pc:sldMkLst>
-          <pc:docMk/>
-          <pc:sldMk cId="1265335713" sldId="1749"/>
-        </pc:sldMkLst>
-      </pc:sldChg>
       <pc:sldChg chg="addSp delSp modSp add delAnim modAnim">
         <pc:chgData name="Chris G" userId="ec6dd0bf820af39d" providerId="LiveId" clId="{A6C1FA34-9980-42BD-90CE-52D17F13C601}" dt="2018-01-22T20:00:40.600" v="1880"/>
         <pc:sldMkLst>
@@ -1141,101 +1193,35 @@
     </pc:docChg>
   </pc:docChgLst>
   <pc:docChgLst>
-    <pc:chgData name="Chris G" userId="ec6dd0bf820af39d" providerId="LiveId" clId="{77B084DB-34BD-4714-AFF6-B98C98F6D19D}"/>
-    <pc:docChg chg="custSel addSld delSld modSld modMainMaster">
-      <pc:chgData name="Chris G" userId="ec6dd0bf820af39d" providerId="LiveId" clId="{77B084DB-34BD-4714-AFF6-B98C98F6D19D}" dt="2018-01-19T18:41:39.476" v="445" actId="20577"/>
+    <pc:chgData name="Chris G" userId="ec6dd0bf820af39d" providerId="LiveId" clId="{14817BE9-703A-4BD4-AB1E-524E78BFB167}"/>
+    <pc:docChg chg="undo custSel modSld">
+      <pc:chgData name="Chris G" userId="ec6dd0bf820af39d" providerId="LiveId" clId="{14817BE9-703A-4BD4-AB1E-524E78BFB167}" dt="2018-01-26T11:56:35.773" v="38" actId="13822"/>
       <pc:docMkLst>
         <pc:docMk/>
       </pc:docMkLst>
       <pc:sldChg chg="modSp">
-        <pc:chgData name="Chris G" userId="ec6dd0bf820af39d" providerId="LiveId" clId="{77B084DB-34BD-4714-AFF6-B98C98F6D19D}" dt="2018-01-19T18:41:39.476" v="445" actId="20577"/>
+        <pc:chgData name="Chris G" userId="ec6dd0bf820af39d" providerId="LiveId" clId="{14817BE9-703A-4BD4-AB1E-524E78BFB167}" dt="2018-01-26T11:56:35.773" v="38" actId="13822"/>
         <pc:sldMkLst>
           <pc:docMk/>
           <pc:sldMk cId="1175140175" sldId="1735"/>
         </pc:sldMkLst>
         <pc:spChg chg="mod">
-          <ac:chgData name="Chris G" userId="ec6dd0bf820af39d" providerId="LiveId" clId="{77B084DB-34BD-4714-AFF6-B98C98F6D19D}" dt="2018-01-19T18:41:39.476" v="445" actId="20577"/>
+          <ac:chgData name="Chris G" userId="ec6dd0bf820af39d" providerId="LiveId" clId="{14817BE9-703A-4BD4-AB1E-524E78BFB167}" dt="2018-01-26T11:56:25.742" v="37" actId="20577"/>
           <ac:spMkLst>
             <pc:docMk/>
             <pc:sldMk cId="1175140175" sldId="1735"/>
             <ac:spMk id="2" creationId="{00000000-0000-0000-0000-000000000000}"/>
           </ac:spMkLst>
         </pc:spChg>
+        <pc:cxnChg chg="mod">
+          <ac:chgData name="Chris G" userId="ec6dd0bf820af39d" providerId="LiveId" clId="{14817BE9-703A-4BD4-AB1E-524E78BFB167}" dt="2018-01-26T11:56:35.773" v="38" actId="13822"/>
+          <ac:cxnSpMkLst>
+            <pc:docMk/>
+            <pc:sldMk cId="1175140175" sldId="1735"/>
+            <ac:cxnSpMk id="5" creationId="{00000000-0000-0000-0000-000000000000}"/>
+          </ac:cxnSpMkLst>
+        </pc:cxnChg>
       </pc:sldChg>
-      <pc:sldChg chg="modSp add">
-        <pc:chgData name="Chris G" userId="ec6dd0bf820af39d" providerId="LiveId" clId="{77B084DB-34BD-4714-AFF6-B98C98F6D19D}" dt="2018-01-19T18:41:02.716" v="422" actId="27636"/>
-        <pc:sldMkLst>
-          <pc:docMk/>
-          <pc:sldMk cId="2335807216" sldId="1740"/>
-        </pc:sldMkLst>
-        <pc:spChg chg="mod">
-          <ac:chgData name="Chris G" userId="ec6dd0bf820af39d" providerId="LiveId" clId="{77B084DB-34BD-4714-AFF6-B98C98F6D19D}" dt="2018-01-19T18:41:02.716" v="422" actId="27636"/>
-          <ac:spMkLst>
-            <pc:docMk/>
-            <pc:sldMk cId="2335807216" sldId="1740"/>
-            <ac:spMk id="3" creationId="{EEB99570-74B8-496E-9BF0-78D33340D20E}"/>
-          </ac:spMkLst>
-        </pc:spChg>
-      </pc:sldChg>
-      <pc:sldMasterChg chg="modSldLayout">
-        <pc:chgData name="Chris G" userId="ec6dd0bf820af39d" providerId="LiveId" clId="{77B084DB-34BD-4714-AFF6-B98C98F6D19D}" dt="2018-01-19T18:39:27.761" v="397" actId="20577"/>
-        <pc:sldMasterMkLst>
-          <pc:docMk/>
-          <pc:sldMasterMk cId="1056324580" sldId="2147483648"/>
-        </pc:sldMasterMkLst>
-        <pc:sldLayoutChg chg="modSp">
-          <pc:chgData name="Chris G" userId="ec6dd0bf820af39d" providerId="LiveId" clId="{77B084DB-34BD-4714-AFF6-B98C98F6D19D}" dt="2018-01-19T18:39:27.761" v="397" actId="20577"/>
-          <pc:sldLayoutMkLst>
-            <pc:docMk/>
-            <pc:sldMasterMk cId="1056324580" sldId="2147483648"/>
-            <pc:sldLayoutMk cId="2118820008" sldId="2147483650"/>
-          </pc:sldLayoutMkLst>
-          <pc:spChg chg="mod">
-            <ac:chgData name="Chris G" userId="ec6dd0bf820af39d" providerId="LiveId" clId="{77B084DB-34BD-4714-AFF6-B98C98F6D19D}" dt="2018-01-19T18:19:44.033" v="85" actId="20577"/>
-            <ac:spMkLst>
-              <pc:docMk/>
-              <pc:sldMasterMk cId="1056324580" sldId="2147483648"/>
-              <pc:sldLayoutMk cId="2118820008" sldId="2147483650"/>
-              <ac:spMk id="3" creationId="{00000000-0000-0000-0000-000000000000}"/>
-            </ac:spMkLst>
-          </pc:spChg>
-          <pc:spChg chg="mod">
-            <ac:chgData name="Chris G" userId="ec6dd0bf820af39d" providerId="LiveId" clId="{77B084DB-34BD-4714-AFF6-B98C98F6D19D}" dt="2018-01-19T18:39:27.761" v="397" actId="20577"/>
-            <ac:spMkLst>
-              <pc:docMk/>
-              <pc:sldMasterMk cId="1056324580" sldId="2147483648"/>
-              <pc:sldLayoutMk cId="2118820008" sldId="2147483650"/>
-              <ac:spMk id="9" creationId="{00000000-0000-0000-0000-000000000000}"/>
-            </ac:spMkLst>
-          </pc:spChg>
-        </pc:sldLayoutChg>
-        <pc:sldLayoutChg chg="modSp">
-          <pc:chgData name="Chris G" userId="ec6dd0bf820af39d" providerId="LiveId" clId="{77B084DB-34BD-4714-AFF6-B98C98F6D19D}" dt="2018-01-19T18:20:06.082" v="100" actId="20577"/>
-          <pc:sldLayoutMkLst>
-            <pc:docMk/>
-            <pc:sldMasterMk cId="1056324580" sldId="2147483648"/>
-            <pc:sldLayoutMk cId="2665502471" sldId="2147483653"/>
-          </pc:sldLayoutMkLst>
-          <pc:spChg chg="mod">
-            <ac:chgData name="Chris G" userId="ec6dd0bf820af39d" providerId="LiveId" clId="{77B084DB-34BD-4714-AFF6-B98C98F6D19D}" dt="2018-01-19T18:20:04.658" v="99" actId="20577"/>
-            <ac:spMkLst>
-              <pc:docMk/>
-              <pc:sldMasterMk cId="1056324580" sldId="2147483648"/>
-              <pc:sldLayoutMk cId="2665502471" sldId="2147483653"/>
-              <ac:spMk id="4" creationId="{00000000-0000-0000-0000-000000000000}"/>
-            </ac:spMkLst>
-          </pc:spChg>
-          <pc:spChg chg="mod">
-            <ac:chgData name="Chris G" userId="ec6dd0bf820af39d" providerId="LiveId" clId="{77B084DB-34BD-4714-AFF6-B98C98F6D19D}" dt="2018-01-19T18:20:06.082" v="100" actId="20577"/>
-            <ac:spMkLst>
-              <pc:docMk/>
-              <pc:sldMasterMk cId="1056324580" sldId="2147483648"/>
-              <pc:sldLayoutMk cId="2665502471" sldId="2147483653"/>
-              <ac:spMk id="6" creationId="{00000000-0000-0000-0000-000000000000}"/>
-            </ac:spMkLst>
-          </pc:spChg>
-        </pc:sldLayoutChg>
-      </pc:sldMasterChg>
     </pc:docChg>
   </pc:docChgLst>
 </pc:chgInfo>
@@ -1323,7 +1309,7 @@
           <a:p>
             <a:fld id="{D27E40BE-1D10-4C80-A8BF-F5AF39EFA189}" type="datetimeFigureOut">
               <a:rPr lang="de-DE" smtClean="0"/>
-              <a:t>22.01.2018</a:t>
+              <a:t>26.01.2018</a:t>
             </a:fld>
             <a:endParaRPr lang="de-DE"/>
           </a:p>
@@ -1488,7 +1474,7 @@
           <a:p>
             <a:fld id="{E2C32285-C8C6-4668-B04E-FA4453CF6A76}" type="datetimeFigureOut">
               <a:rPr lang="de-AT" smtClean="0"/>
-              <a:t>22.01.2018</a:t>
+              <a:t>26.01.2018</a:t>
             </a:fld>
             <a:endParaRPr lang="de-AT"/>
           </a:p>
@@ -2357,7 +2343,7 @@
           <a:p>
             <a:fld id="{AD7C823A-8D1F-4A7A-BCD3-140CE86C5147}" type="datetime1">
               <a:rPr lang="de-AT" smtClean="0"/>
-              <a:t>22.01.2018</a:t>
+              <a:t>26.01.2018</a:t>
             </a:fld>
             <a:endParaRPr lang="de-AT"/>
           </a:p>
@@ -2780,7 +2766,7 @@
           <a:p>
             <a:fld id="{00C2A7D4-6DA7-4AC0-90DA-495E283232C3}" type="datetime1">
               <a:rPr lang="de-AT" smtClean="0"/>
-              <a:t>22.01.2018</a:t>
+              <a:t>26.01.2018</a:t>
             </a:fld>
             <a:endParaRPr lang="de-AT"/>
           </a:p>
@@ -3031,7 +3017,7 @@
           <a:p>
             <a:fld id="{A6A55E55-235A-4F68-B44B-5B270E39D9BB}" type="datetime1">
               <a:rPr lang="de-AT" smtClean="0"/>
-              <a:t>22.01.2018</a:t>
+              <a:t>26.01.2018</a:t>
             </a:fld>
             <a:endParaRPr lang="de-AT" dirty="0"/>
           </a:p>
@@ -3323,7 +3309,7 @@
           <a:p>
             <a:fld id="{612221E0-5FCF-46D5-8E71-06BE4024C7C9}" type="datetime1">
               <a:rPr lang="de-AT" smtClean="0"/>
-              <a:t>22.01.2018</a:t>
+              <a:t>26.01.2018</a:t>
             </a:fld>
             <a:endParaRPr lang="de-AT" dirty="0"/>
           </a:p>
@@ -3734,7 +3720,7 @@
           <a:p>
             <a:fld id="{2C1BF1B5-1080-4A4D-93FE-2AFC40FEAED7}" type="datetime1">
               <a:rPr lang="de-AT" smtClean="0"/>
-              <a:t>22.01.2018</a:t>
+              <a:t>26.01.2018</a:t>
             </a:fld>
             <a:endParaRPr lang="de-AT"/>
           </a:p>
@@ -3855,7 +3841,7 @@
           <a:p>
             <a:fld id="{17707911-CD8C-4B83-8C1E-2EDDEAF7124F}" type="datetime1">
               <a:rPr lang="de-AT" smtClean="0"/>
-              <a:t>22.01.2018</a:t>
+              <a:t>26.01.2018</a:t>
             </a:fld>
             <a:endParaRPr lang="de-AT"/>
           </a:p>
@@ -3953,7 +3939,7 @@
           <a:p>
             <a:fld id="{B3A57C43-A959-49D5-BD00-F6710B17D347}" type="datetime1">
               <a:rPr lang="de-AT" smtClean="0"/>
-              <a:t>22.01.2018</a:t>
+              <a:t>26.01.2018</a:t>
             </a:fld>
             <a:endParaRPr lang="de-AT"/>
           </a:p>
@@ -4233,7 +4219,7 @@
           <a:p>
             <a:fld id="{11EDFD0D-1B57-4662-AB88-65D7683B137A}" type="datetime1">
               <a:rPr lang="de-AT" smtClean="0"/>
-              <a:t>22.01.2018</a:t>
+              <a:t>26.01.2018</a:t>
             </a:fld>
             <a:endParaRPr lang="de-AT"/>
           </a:p>
@@ -4489,7 +4475,7 @@
           <a:p>
             <a:fld id="{7E79AC9D-681F-4C6C-B748-A22E1014B687}" type="datetime1">
               <a:rPr lang="de-AT" smtClean="0"/>
-              <a:t>22.01.2018</a:t>
+              <a:t>26.01.2018</a:t>
             </a:fld>
             <a:endParaRPr lang="de-AT"/>
           </a:p>
@@ -4662,7 +4648,7 @@
           <a:p>
             <a:fld id="{F88EDF09-200F-4437-870F-6371DDA93B70}" type="datetime1">
               <a:rPr lang="de-AT" smtClean="0"/>
-              <a:t>22.01.2018</a:t>
+              <a:t>26.01.2018</a:t>
             </a:fld>
             <a:endParaRPr lang="de-AT"/>
           </a:p>
@@ -4878,7 +4864,7 @@
           <a:p>
             <a:fld id="{E26C028F-E316-4C0A-9E06-C9E8477B7866}" type="datetime1">
               <a:rPr lang="de-AT" smtClean="0"/>
-              <a:t>22.01.2018</a:t>
+              <a:t>26.01.2018</a:t>
             </a:fld>
             <a:endParaRPr lang="de-AT"/>
           </a:p>
@@ -5711,7 +5697,7 @@
           <a:p>
             <a:fld id="{A6A55E55-235A-4F68-B44B-5B270E39D9BB}" type="datetime1">
               <a:rPr lang="de-AT" smtClean="0"/>
-              <a:t>22.01.2018</a:t>
+              <a:t>26.01.2018</a:t>
             </a:fld>
             <a:endParaRPr lang="de-AT" dirty="0"/>
           </a:p>
@@ -7108,7 +7094,7 @@
           <a:p>
             <a:fld id="{A6A55E55-235A-4F68-B44B-5B270E39D9BB}" type="datetime1">
               <a:rPr lang="de-AT" smtClean="0"/>
-              <a:t>22.01.2018</a:t>
+              <a:t>26.01.2018</a:t>
             </a:fld>
             <a:endParaRPr lang="de-AT" dirty="0"/>
           </a:p>
@@ -8123,7 +8109,7 @@
           <a:p>
             <a:fld id="{A6A55E55-235A-4F68-B44B-5B270E39D9BB}" type="datetime1">
               <a:rPr lang="de-AT" smtClean="0"/>
-              <a:t>22.01.2018</a:t>
+              <a:t>26.01.2018</a:t>
             </a:fld>
             <a:endParaRPr lang="de-AT" dirty="0"/>
           </a:p>
@@ -8990,21 +8976,17 @@
           <a:prstGeom prst="line">
             <a:avLst/>
           </a:prstGeom>
-          <a:ln w="19050">
-            <a:solidFill>
-              <a:schemeClr val="tx2"/>
-            </a:solidFill>
-          </a:ln>
+          <a:ln/>
         </p:spPr>
         <p:style>
           <a:lnRef idx="1">
-            <a:schemeClr val="accent1"/>
+            <a:schemeClr val="dk1"/>
           </a:lnRef>
           <a:fillRef idx="0">
-            <a:schemeClr val="accent1"/>
+            <a:schemeClr val="dk1"/>
           </a:fillRef>
           <a:effectRef idx="0">
-            <a:schemeClr val="accent1"/>
+            <a:schemeClr val="dk1"/>
           </a:effectRef>
           <a:fontRef idx="minor">
             <a:schemeClr val="tx1"/>
@@ -9034,7 +9016,7 @@
           <a:p>
             <a:fld id="{34DA982F-5563-4A76-B5F3-2BDEBD27B3E2}" type="datetime1">
               <a:rPr lang="de-AT" smtClean="0"/>
-              <a:t>22.01.2018</a:t>
+              <a:t>26.01.2018</a:t>
             </a:fld>
             <a:endParaRPr lang="de-AT" dirty="0"/>
           </a:p>
@@ -9299,7 +9281,7 @@
           <a:p>
             <a:fld id="{A6A55E55-235A-4F68-B44B-5B270E39D9BB}" type="datetime1">
               <a:rPr lang="de-AT" smtClean="0"/>
-              <a:t>22.01.2018</a:t>
+              <a:t>26.01.2018</a:t>
             </a:fld>
             <a:endParaRPr lang="de-AT" dirty="0"/>
           </a:p>
@@ -9615,7 +9597,7 @@
           <a:p>
             <a:fld id="{A6A55E55-235A-4F68-B44B-5B270E39D9BB}" type="datetime1">
               <a:rPr lang="de-AT" smtClean="0"/>
-              <a:t>22.01.2018</a:t>
+              <a:t>26.01.2018</a:t>
             </a:fld>
             <a:endParaRPr lang="de-AT" dirty="0"/>
           </a:p>
@@ -10083,7 +10065,7 @@
           <a:p>
             <a:fld id="{A6A55E55-235A-4F68-B44B-5B270E39D9BB}" type="datetime1">
               <a:rPr lang="de-AT" smtClean="0"/>
-              <a:t>22.01.2018</a:t>
+              <a:t>26.01.2018</a:t>
             </a:fld>
             <a:endParaRPr lang="de-AT" dirty="0"/>
           </a:p>
@@ -10581,7 +10563,7 @@
           <a:p>
             <a:fld id="{A6A55E55-235A-4F68-B44B-5B270E39D9BB}" type="datetime1">
               <a:rPr lang="de-AT" smtClean="0"/>
-              <a:t>22.01.2018</a:t>
+              <a:t>26.01.2018</a:t>
             </a:fld>
             <a:endParaRPr lang="de-AT" dirty="0"/>
           </a:p>
@@ -10737,7 +10719,7 @@
           <a:p>
             <a:fld id="{A6A55E55-235A-4F68-B44B-5B270E39D9BB}" type="datetime1">
               <a:rPr lang="de-AT" smtClean="0"/>
-              <a:t>22.01.2018</a:t>
+              <a:t>26.01.2018</a:t>
             </a:fld>
             <a:endParaRPr lang="de-AT" dirty="0"/>
           </a:p>
@@ -11116,7 +11098,7 @@
           <a:p>
             <a:fld id="{A6A55E55-235A-4F68-B44B-5B270E39D9BB}" type="datetime1">
               <a:rPr lang="de-AT" smtClean="0"/>
-              <a:t>22.01.2018</a:t>
+              <a:t>26.01.2018</a:t>
             </a:fld>
             <a:endParaRPr lang="de-AT" dirty="0"/>
           </a:p>
@@ -11654,7 +11636,7 @@
           <a:p>
             <a:fld id="{A6A55E55-235A-4F68-B44B-5B270E39D9BB}" type="datetime1">
               <a:rPr lang="de-AT" smtClean="0"/>
-              <a:t>22.01.2018</a:t>
+              <a:t>26.01.2018</a:t>
             </a:fld>
             <a:endParaRPr lang="de-AT" dirty="0"/>
           </a:p>
